--- a/public/img/hexsticker.pptx
+++ b/public/img/hexsticker.pptx
@@ -6,6 +6,7 @@
   </p:sldMasterIdLst>
   <p:sldIdLst>
     <p:sldId id="256" r:id="rId3"/>
+    <p:sldId id="257" r:id="rId4"/>
   </p:sldIdLst>
   <p:sldSz cx="12192000" cy="6858000"/>
   <p:notesSz cx="7772400" cy="10058400"/>
@@ -63,8 +64,8 @@
         </p:nvSpPr>
         <p:spPr>
           <a:xfrm>
-            <a:off x="1523880" y="1122480"/>
-            <a:ext cx="9142920" cy="2386440"/>
+            <a:off x="609480" y="273600"/>
+            <a:ext cx="10972440" cy="1144800"/>
           </a:xfrm>
           <a:prstGeom prst="rect">
             <a:avLst/>
@@ -101,7 +102,7 @@
         <p:spPr>
           <a:xfrm>
             <a:off x="609480" y="1604520"/>
-            <a:ext cx="10972080" cy="1896840"/>
+            <a:ext cx="10972440" cy="1896840"/>
           </a:xfrm>
           <a:prstGeom prst="rect">
             <a:avLst/>
@@ -137,7 +138,7 @@
         <p:spPr>
           <a:xfrm>
             <a:off x="609480" y="3682080"/>
-            <a:ext cx="10972080" cy="1896840"/>
+            <a:ext cx="10972440" cy="1896840"/>
           </a:xfrm>
           <a:prstGeom prst="rect">
             <a:avLst/>
@@ -194,8 +195,8 @@
         </p:nvSpPr>
         <p:spPr>
           <a:xfrm>
-            <a:off x="1523880" y="1122480"/>
-            <a:ext cx="9142920" cy="2386440"/>
+            <a:off x="609480" y="273600"/>
+            <a:ext cx="10972440" cy="1144800"/>
           </a:xfrm>
           <a:prstGeom prst="rect">
             <a:avLst/>
@@ -397,8 +398,8 @@
         </p:nvSpPr>
         <p:spPr>
           <a:xfrm>
-            <a:off x="1523880" y="1122480"/>
-            <a:ext cx="9142920" cy="2386440"/>
+            <a:off x="609480" y="273600"/>
+            <a:ext cx="10972440" cy="1144800"/>
           </a:xfrm>
           <a:prstGeom prst="rect">
             <a:avLst/>
@@ -435,7 +436,7 @@
         <p:spPr>
           <a:xfrm>
             <a:off x="609480" y="1604520"/>
-            <a:ext cx="10972080" cy="3976920"/>
+            <a:ext cx="10972440" cy="3977280"/>
           </a:xfrm>
           <a:prstGeom prst="rect">
             <a:avLst/>
@@ -471,7 +472,7 @@
         <p:spPr>
           <a:xfrm>
             <a:off x="609480" y="1604520"/>
-            <a:ext cx="10972080" cy="3976920"/>
+            <a:ext cx="10972440" cy="3977280"/>
           </a:xfrm>
           <a:prstGeom prst="rect">
             <a:avLst/>
@@ -506,8 +507,8 @@
         </p:blipFill>
         <p:spPr>
           <a:xfrm>
-            <a:off x="3603240" y="1604160"/>
-            <a:ext cx="4984200" cy="3976920"/>
+            <a:off x="3602880" y="1604520"/>
+            <a:ext cx="4984920" cy="3977280"/>
           </a:xfrm>
           <a:prstGeom prst="rect">
             <a:avLst/>
@@ -529,8 +530,8 @@
         </p:blipFill>
         <p:spPr>
           <a:xfrm>
-            <a:off x="3603240" y="1604160"/>
-            <a:ext cx="4984200" cy="3976920"/>
+            <a:off x="3602880" y="1604520"/>
+            <a:ext cx="4984920" cy="3977280"/>
           </a:xfrm>
           <a:prstGeom prst="rect">
             <a:avLst/>
@@ -574,8 +575,8 @@
         </p:nvSpPr>
         <p:spPr>
           <a:xfrm>
-            <a:off x="1523880" y="1122480"/>
-            <a:ext cx="9142920" cy="2386440"/>
+            <a:off x="609480" y="273600"/>
+            <a:ext cx="10972440" cy="1144800"/>
           </a:xfrm>
           <a:prstGeom prst="rect">
             <a:avLst/>
@@ -612,7 +613,7 @@
         <p:spPr>
           <a:xfrm>
             <a:off x="609480" y="1604520"/>
-            <a:ext cx="10972080" cy="3976920"/>
+            <a:ext cx="10972440" cy="3977280"/>
           </a:xfrm>
           <a:prstGeom prst="rect">
             <a:avLst/>
@@ -670,8 +671,8 @@
         </p:nvSpPr>
         <p:spPr>
           <a:xfrm>
-            <a:off x="1523880" y="1122480"/>
-            <a:ext cx="9142920" cy="2386440"/>
+            <a:off x="609480" y="273600"/>
+            <a:ext cx="10972440" cy="1144800"/>
           </a:xfrm>
           <a:prstGeom prst="rect">
             <a:avLst/>
@@ -708,7 +709,7 @@
         <p:spPr>
           <a:xfrm>
             <a:off x="609480" y="1604520"/>
-            <a:ext cx="10972080" cy="3976920"/>
+            <a:ext cx="10972440" cy="3977280"/>
           </a:xfrm>
           <a:prstGeom prst="rect">
             <a:avLst/>
@@ -765,8 +766,8 @@
         </p:nvSpPr>
         <p:spPr>
           <a:xfrm>
-            <a:off x="1523880" y="1122480"/>
-            <a:ext cx="9142920" cy="2386440"/>
+            <a:off x="609480" y="273600"/>
+            <a:ext cx="10972440" cy="1144800"/>
           </a:xfrm>
           <a:prstGeom prst="rect">
             <a:avLst/>
@@ -803,7 +804,7 @@
         <p:spPr>
           <a:xfrm>
             <a:off x="609480" y="1604520"/>
-            <a:ext cx="5354280" cy="3976920"/>
+            <a:ext cx="5354280" cy="3977280"/>
           </a:xfrm>
           <a:prstGeom prst="rect">
             <a:avLst/>
@@ -839,7 +840,7 @@
         <p:spPr>
           <a:xfrm>
             <a:off x="6231960" y="1604520"/>
-            <a:ext cx="5354280" cy="3976920"/>
+            <a:ext cx="5354280" cy="3977280"/>
           </a:xfrm>
           <a:prstGeom prst="rect">
             <a:avLst/>
@@ -896,8 +897,8 @@
         </p:nvSpPr>
         <p:spPr>
           <a:xfrm>
-            <a:off x="1523880" y="1122480"/>
-            <a:ext cx="9142920" cy="2386440"/>
+            <a:off x="609480" y="273600"/>
+            <a:ext cx="10972440" cy="1144800"/>
           </a:xfrm>
           <a:prstGeom prst="rect">
             <a:avLst/>
@@ -955,8 +956,8 @@
         </p:nvSpPr>
         <p:spPr>
           <a:xfrm>
-            <a:off x="1523880" y="1122480"/>
-            <a:ext cx="9142920" cy="11063520"/>
+            <a:off x="609480" y="273600"/>
+            <a:ext cx="10972440" cy="5307840"/>
           </a:xfrm>
           <a:prstGeom prst="rect">
             <a:avLst/>
@@ -1014,8 +1015,8 @@
         </p:nvSpPr>
         <p:spPr>
           <a:xfrm>
-            <a:off x="1523880" y="1122480"/>
-            <a:ext cx="9142920" cy="2386440"/>
+            <a:off x="609480" y="273600"/>
+            <a:ext cx="10972440" cy="1144800"/>
           </a:xfrm>
           <a:prstGeom prst="rect">
             <a:avLst/>
@@ -1124,7 +1125,7 @@
         <p:spPr>
           <a:xfrm>
             <a:off x="6231960" y="1604520"/>
-            <a:ext cx="5354280" cy="3976920"/>
+            <a:ext cx="5354280" cy="3977280"/>
           </a:xfrm>
           <a:prstGeom prst="rect">
             <a:avLst/>
@@ -1181,8 +1182,8 @@
         </p:nvSpPr>
         <p:spPr>
           <a:xfrm>
-            <a:off x="1523880" y="1122480"/>
-            <a:ext cx="9142920" cy="2386440"/>
+            <a:off x="609480" y="273600"/>
+            <a:ext cx="10972440" cy="1144800"/>
           </a:xfrm>
           <a:prstGeom prst="rect">
             <a:avLst/>
@@ -1219,7 +1220,7 @@
         <p:spPr>
           <a:xfrm>
             <a:off x="609480" y="1604520"/>
-            <a:ext cx="5354280" cy="3976920"/>
+            <a:ext cx="5354280" cy="3977280"/>
           </a:xfrm>
           <a:prstGeom prst="rect">
             <a:avLst/>
@@ -1348,8 +1349,8 @@
         </p:nvSpPr>
         <p:spPr>
           <a:xfrm>
-            <a:off x="1523880" y="1122480"/>
-            <a:ext cx="9142920" cy="2386440"/>
+            <a:off x="609480" y="273600"/>
+            <a:ext cx="10972440" cy="1144800"/>
           </a:xfrm>
           <a:prstGeom prst="rect">
             <a:avLst/>
@@ -1458,7 +1459,7 @@
         <p:spPr>
           <a:xfrm>
             <a:off x="609480" y="3682080"/>
-            <a:ext cx="10972080" cy="1896840"/>
+            <a:ext cx="10972440" cy="1896840"/>
           </a:xfrm>
           <a:prstGeom prst="rect">
             <a:avLst/>
@@ -1522,8 +1523,8 @@
         </p:nvSpPr>
         <p:spPr>
           <a:xfrm>
-            <a:off x="1523880" y="1122480"/>
-            <a:ext cx="9142920" cy="2386440"/>
+            <a:off x="609480" y="273600"/>
+            <a:ext cx="10972440" cy="1144800"/>
           </a:xfrm>
           <a:prstGeom prst="rect">
             <a:avLst/>
@@ -1533,6 +1534,20 @@
           <a:bodyPr lIns="0" rIns="0" tIns="0" bIns="0" anchor="ctr"/>
           <a:p>
             <a:pPr algn="ctr"/>
+            <a:r>
+              <a:rPr b="0" lang="es-CL" sz="4400" spc="-1" strike="noStrike">
+                <a:solidFill>
+                  <a:srgbClr val="000000"/>
+                </a:solidFill>
+                <a:uFill>
+                  <a:solidFill>
+                    <a:srgbClr val="ffffff"/>
+                  </a:solidFill>
+                </a:uFill>
+                <a:latin typeface="Arial"/>
+              </a:rPr>
+              <a:t>Click to edit the title text format</a:t>
+            </a:r>
             <a:endParaRPr b="0" lang="es-CL" sz="4400" spc="-1" strike="noStrike">
               <a:solidFill>
                 <a:srgbClr val="000000"/>
@@ -1560,7 +1575,7 @@
         <p:spPr>
           <a:xfrm>
             <a:off x="609480" y="1604520"/>
-            <a:ext cx="10972080" cy="3976920"/>
+            <a:ext cx="10972440" cy="3977280"/>
           </a:xfrm>
           <a:prstGeom prst="rect">
             <a:avLst/>
@@ -1578,7 +1593,7 @@
               <a:buChar char=""/>
             </a:pPr>
             <a:r>
-              <a:rPr b="0" lang="es-CL" sz="1800" spc="-1" strike="noStrike">
+              <a:rPr b="0" lang="es-CL" sz="3200" spc="-1" strike="noStrike">
                 <a:solidFill>
                   <a:srgbClr val="000000"/>
                 </a:solidFill>
@@ -1591,7 +1606,7 @@
               </a:rPr>
               <a:t>Click to edit the outline text format</a:t>
             </a:r>
-            <a:endParaRPr b="0" lang="es-CL" sz="1800" spc="-1" strike="noStrike">
+            <a:endParaRPr b="0" lang="es-CL" sz="3200" spc="-1" strike="noStrike">
               <a:solidFill>
                 <a:srgbClr val="000000"/>
               </a:solidFill>
@@ -1613,7 +1628,7 @@
               <a:buChar char=""/>
             </a:pPr>
             <a:r>
-              <a:rPr b="0" lang="es-CL" sz="1800" spc="-1" strike="noStrike">
+              <a:rPr b="0" lang="es-CL" sz="2800" spc="-1" strike="noStrike">
                 <a:solidFill>
                   <a:srgbClr val="000000"/>
                 </a:solidFill>
@@ -1626,7 +1641,7 @@
               </a:rPr>
               <a:t>Second Outline Level</a:t>
             </a:r>
-            <a:endParaRPr b="0" lang="es-CL" sz="1800" spc="-1" strike="noStrike">
+            <a:endParaRPr b="0" lang="es-CL" sz="2800" spc="-1" strike="noStrike">
               <a:solidFill>
                 <a:srgbClr val="000000"/>
               </a:solidFill>
@@ -1648,7 +1663,7 @@
               <a:buChar char=""/>
             </a:pPr>
             <a:r>
-              <a:rPr b="0" lang="es-CL" sz="1800" spc="-1" strike="noStrike">
+              <a:rPr b="0" lang="es-CL" sz="2400" spc="-1" strike="noStrike">
                 <a:solidFill>
                   <a:srgbClr val="000000"/>
                 </a:solidFill>
@@ -1661,7 +1676,7 @@
               </a:rPr>
               <a:t>Third Outline Level</a:t>
             </a:r>
-            <a:endParaRPr b="0" lang="es-CL" sz="1800" spc="-1" strike="noStrike">
+            <a:endParaRPr b="0" lang="es-CL" sz="2400" spc="-1" strike="noStrike">
               <a:solidFill>
                 <a:srgbClr val="000000"/>
               </a:solidFill>
@@ -1683,7 +1698,7 @@
               <a:buChar char=""/>
             </a:pPr>
             <a:r>
-              <a:rPr b="0" lang="es-CL" sz="1800" spc="-1" strike="noStrike">
+              <a:rPr b="0" lang="es-CL" sz="2000" spc="-1" strike="noStrike">
                 <a:solidFill>
                   <a:srgbClr val="000000"/>
                 </a:solidFill>
@@ -1696,7 +1711,7 @@
               </a:rPr>
               <a:t>Fourth Outline Level</a:t>
             </a:r>
-            <a:endParaRPr b="0" lang="es-CL" sz="1800" spc="-1" strike="noStrike">
+            <a:endParaRPr b="0" lang="es-CL" sz="2000" spc="-1" strike="noStrike">
               <a:solidFill>
                 <a:srgbClr val="000000"/>
               </a:solidFill>
@@ -1718,7 +1733,7 @@
               <a:buChar char=""/>
             </a:pPr>
             <a:r>
-              <a:rPr b="0" lang="es-CL" sz="1800" spc="-1" strike="noStrike">
+              <a:rPr b="0" lang="es-CL" sz="2000" spc="-1" strike="noStrike">
                 <a:solidFill>
                   <a:srgbClr val="000000"/>
                 </a:solidFill>
@@ -1731,7 +1746,7 @@
               </a:rPr>
               <a:t>Fifth Outline Level</a:t>
             </a:r>
-            <a:endParaRPr b="0" lang="es-CL" sz="1800" spc="-1" strike="noStrike">
+            <a:endParaRPr b="0" lang="es-CL" sz="2000" spc="-1" strike="noStrike">
               <a:solidFill>
                 <a:srgbClr val="000000"/>
               </a:solidFill>
@@ -1753,7 +1768,7 @@
               <a:buChar char=""/>
             </a:pPr>
             <a:r>
-              <a:rPr b="0" lang="es-CL" sz="1800" spc="-1" strike="noStrike">
+              <a:rPr b="0" lang="es-CL" sz="2000" spc="-1" strike="noStrike">
                 <a:solidFill>
                   <a:srgbClr val="000000"/>
                 </a:solidFill>
@@ -1766,7 +1781,7 @@
               </a:rPr>
               <a:t>Sixth Outline Level</a:t>
             </a:r>
-            <a:endParaRPr b="0" lang="es-CL" sz="1800" spc="-1" strike="noStrike">
+            <a:endParaRPr b="0" lang="es-CL" sz="2000" spc="-1" strike="noStrike">
               <a:solidFill>
                 <a:srgbClr val="000000"/>
               </a:solidFill>
@@ -1788,7 +1803,7 @@
               <a:buChar char=""/>
             </a:pPr>
             <a:r>
-              <a:rPr b="0" lang="es-CL" sz="1800" spc="-1" strike="noStrike">
+              <a:rPr b="0" lang="es-CL" sz="2000" spc="-1" strike="noStrike">
                 <a:solidFill>
                   <a:srgbClr val="000000"/>
                 </a:solidFill>
@@ -1801,7 +1816,7 @@
               </a:rPr>
               <a:t>Seventh Outline Level</a:t>
             </a:r>
-            <a:endParaRPr b="0" lang="es-CL" sz="1800" spc="-1" strike="noStrike">
+            <a:endParaRPr b="0" lang="es-CL" sz="2000" spc="-1" strike="noStrike">
               <a:solidFill>
                 <a:srgbClr val="000000"/>
               </a:solidFill>
@@ -1861,7 +1876,7 @@
         <p:spPr>
           <a:xfrm>
             <a:off x="4176000" y="576000"/>
-            <a:ext cx="3815280" cy="3815280"/>
+            <a:ext cx="3814920" cy="3814920"/>
           </a:xfrm>
           <a:prstGeom prst="rect">
             <a:avLst/>
@@ -1891,8 +1906,8 @@
         </p:nvSpPr>
         <p:spPr>
           <a:xfrm rot="1800000">
-            <a:off x="487080" y="673560"/>
-            <a:ext cx="2610360" cy="2271960"/>
+            <a:off x="486720" y="673200"/>
+            <a:ext cx="2610000" cy="2271600"/>
           </a:xfrm>
           <a:prstGeom prst="hexagon">
             <a:avLst>
@@ -1936,8 +1951,8 @@
         </p:nvSpPr>
         <p:spPr>
           <a:xfrm rot="19734000">
-            <a:off x="520200" y="597600"/>
-            <a:ext cx="2210040" cy="249480"/>
+            <a:off x="519840" y="597600"/>
+            <a:ext cx="2209680" cy="249120"/>
           </a:xfrm>
           <a:prstGeom prst="rect">
             <a:avLst/>
@@ -1999,7 +2014,7 @@
         <p:spPr>
           <a:xfrm rot="1826400">
             <a:off x="1546920" y="1038960"/>
-            <a:ext cx="2210040" cy="249480"/>
+            <a:ext cx="2209680" cy="249120"/>
           </a:xfrm>
           <a:prstGeom prst="rect">
             <a:avLst/>
@@ -2065,7 +2080,7 @@
         <p:spPr>
           <a:xfrm>
             <a:off x="1105920" y="1153080"/>
-            <a:ext cx="1343520" cy="1343520"/>
+            <a:ext cx="1343160" cy="1343160"/>
           </a:xfrm>
           <a:prstGeom prst="rect">
             <a:avLst/>
@@ -2083,8 +2098,8 @@
         </p:nvSpPr>
         <p:spPr>
           <a:xfrm rot="5400000">
-            <a:off x="1723680" y="2122920"/>
-            <a:ext cx="2210040" cy="249480"/>
+            <a:off x="1724040" y="2122920"/>
+            <a:ext cx="2209680" cy="249120"/>
           </a:xfrm>
           <a:prstGeom prst="rect">
             <a:avLst/>
@@ -2145,8 +2160,8 @@
         </p:nvSpPr>
         <p:spPr>
           <a:xfrm rot="8884800">
-            <a:off x="831600" y="2820600"/>
-            <a:ext cx="2210040" cy="249480"/>
+            <a:off x="831960" y="2820960"/>
+            <a:ext cx="2209680" cy="249120"/>
           </a:xfrm>
           <a:prstGeom prst="rect">
             <a:avLst/>
@@ -2207,8 +2222,8 @@
         </p:nvSpPr>
         <p:spPr>
           <a:xfrm rot="12669000">
-            <a:off x="-176040" y="2366640"/>
-            <a:ext cx="2210040" cy="249480"/>
+            <a:off x="-175680" y="2367000"/>
+            <a:ext cx="2209680" cy="249120"/>
           </a:xfrm>
           <a:prstGeom prst="rect">
             <a:avLst/>
@@ -2269,8 +2284,8 @@
         </p:nvSpPr>
         <p:spPr>
           <a:xfrm rot="16200000">
-            <a:off x="-343800" y="1283760"/>
-            <a:ext cx="2210040" cy="249480"/>
+            <a:off x="-343440" y="1284120"/>
+            <a:ext cx="2209680" cy="249120"/>
           </a:xfrm>
           <a:prstGeom prst="rect">
             <a:avLst/>
@@ -2332,7 +2347,7 @@
         <p:spPr>
           <a:xfrm>
             <a:off x="1097640" y="1097640"/>
-            <a:ext cx="1355760" cy="2527560"/>
+            <a:ext cx="1355400" cy="2527200"/>
           </a:xfrm>
           <a:prstGeom prst="rect">
             <a:avLst/>
@@ -2393,8 +2408,8 @@
         </p:nvSpPr>
         <p:spPr>
           <a:xfrm rot="1800000">
-            <a:off x="521280" y="3635280"/>
-            <a:ext cx="2720520" cy="2368080"/>
+            <a:off x="521280" y="3634920"/>
+            <a:ext cx="2720160" cy="2367720"/>
           </a:xfrm>
           <a:prstGeom prst="hexagon">
             <a:avLst>
@@ -2443,7 +2458,7 @@
         <p:spPr>
           <a:xfrm>
             <a:off x="1232280" y="4187880"/>
-            <a:ext cx="1343520" cy="1343520"/>
+            <a:ext cx="1343160" cy="1343160"/>
           </a:xfrm>
           <a:prstGeom prst="rect">
             <a:avLst/>
@@ -2462,7 +2477,7 @@
         <p:spPr>
           <a:xfrm rot="179400">
             <a:off x="865800" y="3994560"/>
-            <a:ext cx="1707840" cy="8134200"/>
+            <a:ext cx="1707480" cy="8133840"/>
           </a:xfrm>
           <a:prstGeom prst="rect">
             <a:avLst/>
@@ -2523,8 +2538,8 @@
         </p:nvSpPr>
         <p:spPr>
           <a:xfrm rot="1800000">
-            <a:off x="4716360" y="1356480"/>
-            <a:ext cx="2720520" cy="2368080"/>
+            <a:off x="4716360" y="1356120"/>
+            <a:ext cx="2720160" cy="2367720"/>
           </a:xfrm>
           <a:prstGeom prst="hexagon">
             <a:avLst>
@@ -2570,7 +2585,7 @@
         <p:spPr>
           <a:xfrm>
             <a:off x="9010080" y="1080000"/>
-            <a:ext cx="2437200" cy="2805480"/>
+            <a:ext cx="2436840" cy="2805120"/>
           </a:xfrm>
           <a:prstGeom prst="rect">
             <a:avLst/>
@@ -2589,7 +2604,7 @@
         <p:spPr>
           <a:xfrm>
             <a:off x="3086640" y="4991400"/>
-            <a:ext cx="9080640" cy="911880"/>
+            <a:ext cx="9080280" cy="911520"/>
           </a:xfrm>
           <a:prstGeom prst="rect">
             <a:avLst/>
@@ -2707,7 +2722,7 @@
         <p:spPr>
           <a:xfrm>
             <a:off x="5551920" y="1706760"/>
-            <a:ext cx="1080000" cy="1688040"/>
+            <a:ext cx="1079640" cy="1687680"/>
           </a:xfrm>
           <a:prstGeom prst="rect">
             <a:avLst/>
@@ -2746,6 +2761,124 @@
       </p:par>
     </p:tnLst>
   </p:timing>
+</p:sld>
+</file>
+
+<file path=ppt/slides/slide2.xml><?xml version="1.0" encoding="utf-8"?>
+<p:sld xmlns:a="http://schemas.openxmlformats.org/drawingml/2006/main" xmlns:p="http://schemas.openxmlformats.org/presentationml/2006/main" xmlns:r="http://schemas.openxmlformats.org/officeDocument/2006/relationships" xmlns:p14="http://schemas.microsoft.com/office/powerpoint/2010/main" xmlns:p15="http://schemas.microsoft.com/office/powerpoint/2012/main" xmlns:mc="http://schemas.openxmlformats.org/markup-compatibility/2006">
+  <p:cSld>
+    <p:spTree>
+      <p:nvGrpSpPr>
+        <p:cNvPr id="1" name=""/>
+        <p:cNvGrpSpPr/>
+        <p:nvPr/>
+      </p:nvGrpSpPr>
+      <p:grpSpPr>
+        <a:xfrm>
+          <a:off x="0" y="0"/>
+          <a:ext cx="0" cy="0"/>
+          <a:chOff x="0" y="0"/>
+          <a:chExt cx="0" cy="0"/>
+        </a:xfrm>
+      </p:grpSpPr>
+      <p:sp>
+        <p:nvSpPr>
+          <p:cNvPr id="53" name="CustomShape 1"/>
+          <p:cNvSpPr/>
+          <p:nvPr/>
+        </p:nvSpPr>
+        <p:spPr>
+          <a:xfrm>
+            <a:off x="7345080" y="1369080"/>
+            <a:ext cx="3814920" cy="3814920"/>
+          </a:xfrm>
+          <a:prstGeom prst="rect">
+            <a:avLst/>
+          </a:prstGeom>
+          <a:solidFill>
+            <a:srgbClr val="990099"/>
+          </a:solidFill>
+          <a:ln w="36000">
+            <a:solidFill>
+              <a:srgbClr val="666666"/>
+            </a:solidFill>
+            <a:round/>
+          </a:ln>
+        </p:spPr>
+        <p:style>
+          <a:lnRef idx="0"/>
+          <a:fillRef idx="0"/>
+          <a:effectRef idx="0"/>
+          <a:fontRef idx="minor"/>
+        </p:style>
+      </p:sp>
+      <p:sp>
+        <p:nvSpPr>
+          <p:cNvPr id="54" name="CustomShape 2"/>
+          <p:cNvSpPr/>
+          <p:nvPr/>
+        </p:nvSpPr>
+        <p:spPr>
+          <a:xfrm rot="1800000">
+            <a:off x="1404360" y="2040120"/>
+            <a:ext cx="2720160" cy="2367720"/>
+          </a:xfrm>
+          <a:prstGeom prst="hexagon">
+            <a:avLst>
+              <a:gd name="adj" fmla="val 28372"/>
+              <a:gd name="vf" fmla="val 115470"/>
+            </a:avLst>
+          </a:prstGeom>
+          <a:solidFill>
+            <a:srgbClr val="ffffff"/>
+          </a:solidFill>
+          <a:ln w="69840">
+            <a:solidFill>
+              <a:srgbClr val="ff9900"/>
+            </a:solidFill>
+            <a:round/>
+          </a:ln>
+        </p:spPr>
+        <p:style>
+          <a:lnRef idx="2">
+            <a:schemeClr val="accent1">
+              <a:shade val="50000"/>
+            </a:schemeClr>
+          </a:lnRef>
+          <a:fillRef idx="1">
+            <a:schemeClr val="accent1"/>
+          </a:fillRef>
+          <a:effectRef idx="0">
+            <a:schemeClr val="accent1"/>
+          </a:effectRef>
+          <a:fontRef idx="minor"/>
+        </p:style>
+      </p:sp>
+      <p:pic>
+        <p:nvPicPr>
+          <p:cNvPr id="55" name="" descr=""/>
+          <p:cNvPicPr/>
+          <p:nvPr/>
+        </p:nvPicPr>
+        <p:blipFill>
+          <a:blip r:embed="rId1"/>
+          <a:stretch/>
+        </p:blipFill>
+        <p:spPr>
+          <a:xfrm>
+            <a:off x="2203920" y="2426760"/>
+            <a:ext cx="1079640" cy="1687680"/>
+          </a:xfrm>
+          <a:prstGeom prst="rect">
+            <a:avLst/>
+          </a:prstGeom>
+          <a:ln>
+            <a:noFill/>
+          </a:ln>
+        </p:spPr>
+      </p:pic>
+    </p:spTree>
+  </p:cSld>
 </p:sld>
 </file>
 
